--- a/New.pptx
+++ b/New.pptx
@@ -32,23 +32,23 @@
   <p:notesSz cx="6858000" cy="9144000"/>
   <p:embeddedFontLst>
     <p:embeddedFont>
-      <p:font typeface="Rokkitt" panose="020B0604020202020204" charset="0"/>
+      <p:font typeface="Calibri" panose="020F0502020204030204" pitchFamily="34" charset="0"/>
       <p:regular r:id="rId22"/>
       <p:bold r:id="rId23"/>
-    </p:embeddedFont>
-    <p:embeddedFont>
-      <p:font typeface="Calibri" panose="020F0502020204030204" pitchFamily="34" charset="0"/>
-      <p:regular r:id="rId24"/>
-      <p:bold r:id="rId25"/>
-      <p:italic r:id="rId26"/>
-      <p:boldItalic r:id="rId27"/>
+      <p:italic r:id="rId24"/>
+      <p:boldItalic r:id="rId25"/>
     </p:embeddedFont>
     <p:embeddedFont>
       <p:font typeface="Rockwell" panose="02060603020205020403" pitchFamily="18" charset="0"/>
-      <p:regular r:id="rId28"/>
-      <p:bold r:id="rId29"/>
-      <p:italic r:id="rId30"/>
-      <p:boldItalic r:id="rId31"/>
+      <p:regular r:id="rId26"/>
+      <p:bold r:id="rId27"/>
+      <p:italic r:id="rId28"/>
+      <p:boldItalic r:id="rId29"/>
+    </p:embeddedFont>
+    <p:embeddedFont>
+      <p:font typeface="Rokkitt" panose="020B0604020202020204" charset="0"/>
+      <p:regular r:id="rId30"/>
+      <p:bold r:id="rId31"/>
     </p:embeddedFont>
   </p:embeddedFontLst>
   <p:defaultTextStyle>
@@ -16861,7 +16861,7 @@
           <p:cNvPr id="2" name="Title 1">
             <a:extLst>
               <a:ext uri="{FF2B5EF4-FFF2-40B4-BE49-F238E27FC236}">
-                <a16:creationId xmlns="" xmlns:a16="http://schemas.microsoft.com/office/drawing/2014/main" id="{4CA6A82E-7EBA-C54D-A909-3741FCB9D13B}"/>
+                <a16:creationId xmlns:a16="http://schemas.microsoft.com/office/drawing/2014/main" xmlns="" id="{4CA6A82E-7EBA-C54D-A909-3741FCB9D13B}"/>
               </a:ext>
             </a:extLst>
           </p:cNvPr>
@@ -17116,36 +17116,6 @@
           </a:p>
         </p:txBody>
       </p:sp>
-      <p:pic>
-        <p:nvPicPr>
-          <p:cNvPr id="3" name="Picture 2"/>
-          <p:cNvPicPr>
-            <a:picLocks noChangeAspect="1"/>
-          </p:cNvPicPr>
-          <p:nvPr/>
-        </p:nvPicPr>
-        <p:blipFill>
-          <a:blip r:embed="rId2">
-            <a:extLst>
-              <a:ext uri="{28A0092B-C50C-407E-A947-70E740481C1C}">
-                <a14:useLocalDpi xmlns:a14="http://schemas.microsoft.com/office/drawing/2010/main" val="0"/>
-              </a:ext>
-            </a:extLst>
-          </a:blip>
-          <a:stretch>
-            <a:fillRect/>
-          </a:stretch>
-        </p:blipFill>
-        <p:spPr>
-          <a:xfrm>
-            <a:off x="1069848" y="1550345"/>
-            <a:ext cx="8019561" cy="5307655"/>
-          </a:xfrm>
-          <a:prstGeom prst="rect">
-            <a:avLst/>
-          </a:prstGeom>
-        </p:spPr>
-      </p:pic>
     </p:spTree>
     <p:extLst>
       <p:ext uri="{BB962C8B-B14F-4D97-AF65-F5344CB8AC3E}">
@@ -17283,7 +17253,7 @@
           <p:cNvPr id="2" name="Title 1">
             <a:extLst>
               <a:ext uri="{FF2B5EF4-FFF2-40B4-BE49-F238E27FC236}">
-                <a16:creationId xmlns="" xmlns:a16="http://schemas.microsoft.com/office/drawing/2014/main" id="{28A487DA-A073-1041-AD08-E29E654DB3F4}"/>
+                <a16:creationId xmlns:a16="http://schemas.microsoft.com/office/drawing/2014/main" xmlns="" id="{28A487DA-A073-1041-AD08-E29E654DB3F4}"/>
               </a:ext>
             </a:extLst>
           </p:cNvPr>
@@ -17319,7 +17289,7 @@
           <p:cNvPr id="3" name="TextBox 2">
             <a:extLst>
               <a:ext uri="{FF2B5EF4-FFF2-40B4-BE49-F238E27FC236}">
-                <a16:creationId xmlns="" xmlns:a16="http://schemas.microsoft.com/office/drawing/2014/main" id="{A5B85B17-0B2E-6240-8F57-3CE178D675A2}"/>
+                <a16:creationId xmlns:a16="http://schemas.microsoft.com/office/drawing/2014/main" xmlns="" id="{A5B85B17-0B2E-6240-8F57-3CE178D675A2}"/>
               </a:ext>
             </a:extLst>
           </p:cNvPr>
@@ -17583,7 +17553,7 @@
           <p:cNvPr id="2" name="Title 1">
             <a:extLst>
               <a:ext uri="{FF2B5EF4-FFF2-40B4-BE49-F238E27FC236}">
-                <a16:creationId xmlns="" xmlns:a16="http://schemas.microsoft.com/office/drawing/2014/main" id="{F508AA79-C777-7C40-9276-EF651779DA5C}"/>
+                <a16:creationId xmlns:a16="http://schemas.microsoft.com/office/drawing/2014/main" xmlns="" id="{F508AA79-C777-7C40-9276-EF651779DA5C}"/>
               </a:ext>
             </a:extLst>
           </p:cNvPr>
@@ -17619,7 +17589,7 @@
           <p:cNvPr id="3" name="TextBox 2">
             <a:extLst>
               <a:ext uri="{FF2B5EF4-FFF2-40B4-BE49-F238E27FC236}">
-                <a16:creationId xmlns="" xmlns:a16="http://schemas.microsoft.com/office/drawing/2014/main" id="{5F56A61D-3520-A747-AE76-02D11322B6CA}"/>
+                <a16:creationId xmlns:a16="http://schemas.microsoft.com/office/drawing/2014/main" xmlns="" id="{5F56A61D-3520-A747-AE76-02D11322B6CA}"/>
               </a:ext>
             </a:extLst>
           </p:cNvPr>
@@ -19761,7 +19731,7 @@
           <p:cNvPr id="2" name="Title 1">
             <a:extLst>
               <a:ext uri="{FF2B5EF4-FFF2-40B4-BE49-F238E27FC236}">
-                <a16:creationId xmlns="" xmlns:a16="http://schemas.microsoft.com/office/drawing/2014/main" id="{050F5CC3-31BD-3849-B5BE-E74B47D29C1F}"/>
+                <a16:creationId xmlns:a16="http://schemas.microsoft.com/office/drawing/2014/main" xmlns="" id="{050F5CC3-31BD-3849-B5BE-E74B47D29C1F}"/>
               </a:ext>
             </a:extLst>
           </p:cNvPr>
@@ -19869,7 +19839,7 @@
           <p:cNvPr id="2" name="Title 1">
             <a:extLst>
               <a:ext uri="{FF2B5EF4-FFF2-40B4-BE49-F238E27FC236}">
-                <a16:creationId xmlns="" xmlns:a16="http://schemas.microsoft.com/office/drawing/2014/main" id="{DC9A665A-7DE1-C946-8B7A-D514E84A3F93}"/>
+                <a16:creationId xmlns:a16="http://schemas.microsoft.com/office/drawing/2014/main" xmlns="" id="{DC9A665A-7DE1-C946-8B7A-D514E84A3F93}"/>
               </a:ext>
             </a:extLst>
           </p:cNvPr>

--- a/New.pptx
+++ b/New.pptx
@@ -20,7 +20,7 @@
     <p:sldId id="271" r:id="rId11"/>
     <p:sldId id="286" r:id="rId12"/>
     <p:sldId id="272" r:id="rId13"/>
-    <p:sldId id="287" r:id="rId14"/>
+    <p:sldId id="290" r:id="rId14"/>
     <p:sldId id="288" r:id="rId15"/>
     <p:sldId id="280" r:id="rId16"/>
     <p:sldId id="285" r:id="rId17"/>
@@ -32,23 +32,23 @@
   <p:notesSz cx="6858000" cy="9144000"/>
   <p:embeddedFontLst>
     <p:embeddedFont>
-      <p:font typeface="Calibri" panose="020F0502020204030204" pitchFamily="34" charset="0"/>
+      <p:font typeface="Rokkitt" panose="020B0604020202020204" charset="0"/>
       <p:regular r:id="rId22"/>
       <p:bold r:id="rId23"/>
-      <p:italic r:id="rId24"/>
-      <p:boldItalic r:id="rId25"/>
+    </p:embeddedFont>
+    <p:embeddedFont>
+      <p:font typeface="Calibri" panose="020F0502020204030204" pitchFamily="34" charset="0"/>
+      <p:regular r:id="rId24"/>
+      <p:bold r:id="rId25"/>
+      <p:italic r:id="rId26"/>
+      <p:boldItalic r:id="rId27"/>
     </p:embeddedFont>
     <p:embeddedFont>
       <p:font typeface="Rockwell" panose="02060603020205020403" pitchFamily="18" charset="0"/>
-      <p:regular r:id="rId26"/>
-      <p:bold r:id="rId27"/>
-      <p:italic r:id="rId28"/>
-      <p:boldItalic r:id="rId29"/>
-    </p:embeddedFont>
-    <p:embeddedFont>
-      <p:font typeface="Rokkitt" panose="020B0604020202020204" charset="0"/>
-      <p:regular r:id="rId30"/>
-      <p:bold r:id="rId31"/>
+      <p:regular r:id="rId28"/>
+      <p:bold r:id="rId29"/>
+      <p:italic r:id="rId30"/>
+      <p:boldItalic r:id="rId31"/>
     </p:embeddedFont>
   </p:embeddedFontLst>
   <p:defaultTextStyle>
@@ -16861,7 +16861,7 @@
           <p:cNvPr id="2" name="Title 1">
             <a:extLst>
               <a:ext uri="{FF2B5EF4-FFF2-40B4-BE49-F238E27FC236}">
-                <a16:creationId xmlns:a16="http://schemas.microsoft.com/office/drawing/2014/main" xmlns="" id="{4CA6A82E-7EBA-C54D-A909-3741FCB9D13B}"/>
+                <a16:creationId xmlns="" xmlns:a16="http://schemas.microsoft.com/office/drawing/2014/main" id="{4CA6A82E-7EBA-C54D-A909-3741FCB9D13B}"/>
               </a:ext>
             </a:extLst>
           </p:cNvPr>
@@ -17116,10 +17116,34 @@
           </a:p>
         </p:txBody>
       </p:sp>
+      <p:pic>
+        <p:nvPicPr>
+          <p:cNvPr id="3" name="Picture 2"/>
+          <p:cNvPicPr>
+            <a:picLocks noChangeAspect="1"/>
+          </p:cNvPicPr>
+          <p:nvPr/>
+        </p:nvPicPr>
+        <p:blipFill>
+          <a:blip r:embed="rId2"/>
+          <a:stretch>
+            <a:fillRect/>
+          </a:stretch>
+        </p:blipFill>
+        <p:spPr>
+          <a:xfrm>
+            <a:off x="1201004" y="1314714"/>
+            <a:ext cx="8857396" cy="5288786"/>
+          </a:xfrm>
+          <a:prstGeom prst="rect">
+            <a:avLst/>
+          </a:prstGeom>
+        </p:spPr>
+      </p:pic>
     </p:spTree>
     <p:extLst>
       <p:ext uri="{BB962C8B-B14F-4D97-AF65-F5344CB8AC3E}">
-        <p14:creationId xmlns:p14="http://schemas.microsoft.com/office/powerpoint/2010/main" val="893793244"/>
+        <p14:creationId xmlns:p14="http://schemas.microsoft.com/office/powerpoint/2010/main" val="2871475517"/>
       </p:ext>
     </p:extLst>
   </p:cSld>
@@ -17253,7 +17277,7 @@
           <p:cNvPr id="2" name="Title 1">
             <a:extLst>
               <a:ext uri="{FF2B5EF4-FFF2-40B4-BE49-F238E27FC236}">
-                <a16:creationId xmlns:a16="http://schemas.microsoft.com/office/drawing/2014/main" xmlns="" id="{28A487DA-A073-1041-AD08-E29E654DB3F4}"/>
+                <a16:creationId xmlns="" xmlns:a16="http://schemas.microsoft.com/office/drawing/2014/main" id="{28A487DA-A073-1041-AD08-E29E654DB3F4}"/>
               </a:ext>
             </a:extLst>
           </p:cNvPr>
@@ -17289,7 +17313,7 @@
           <p:cNvPr id="3" name="TextBox 2">
             <a:extLst>
               <a:ext uri="{FF2B5EF4-FFF2-40B4-BE49-F238E27FC236}">
-                <a16:creationId xmlns:a16="http://schemas.microsoft.com/office/drawing/2014/main" xmlns="" id="{A5B85B17-0B2E-6240-8F57-3CE178D675A2}"/>
+                <a16:creationId xmlns="" xmlns:a16="http://schemas.microsoft.com/office/drawing/2014/main" id="{A5B85B17-0B2E-6240-8F57-3CE178D675A2}"/>
               </a:ext>
             </a:extLst>
           </p:cNvPr>
@@ -17553,7 +17577,7 @@
           <p:cNvPr id="2" name="Title 1">
             <a:extLst>
               <a:ext uri="{FF2B5EF4-FFF2-40B4-BE49-F238E27FC236}">
-                <a16:creationId xmlns:a16="http://schemas.microsoft.com/office/drawing/2014/main" xmlns="" id="{F508AA79-C777-7C40-9276-EF651779DA5C}"/>
+                <a16:creationId xmlns="" xmlns:a16="http://schemas.microsoft.com/office/drawing/2014/main" id="{F508AA79-C777-7C40-9276-EF651779DA5C}"/>
               </a:ext>
             </a:extLst>
           </p:cNvPr>
@@ -17589,7 +17613,7 @@
           <p:cNvPr id="3" name="TextBox 2">
             <a:extLst>
               <a:ext uri="{FF2B5EF4-FFF2-40B4-BE49-F238E27FC236}">
-                <a16:creationId xmlns:a16="http://schemas.microsoft.com/office/drawing/2014/main" xmlns="" id="{5F56A61D-3520-A747-AE76-02D11322B6CA}"/>
+                <a16:creationId xmlns="" xmlns:a16="http://schemas.microsoft.com/office/drawing/2014/main" id="{5F56A61D-3520-A747-AE76-02D11322B6CA}"/>
               </a:ext>
             </a:extLst>
           </p:cNvPr>
@@ -19731,7 +19755,7 @@
           <p:cNvPr id="2" name="Title 1">
             <a:extLst>
               <a:ext uri="{FF2B5EF4-FFF2-40B4-BE49-F238E27FC236}">
-                <a16:creationId xmlns:a16="http://schemas.microsoft.com/office/drawing/2014/main" xmlns="" id="{050F5CC3-31BD-3849-B5BE-E74B47D29C1F}"/>
+                <a16:creationId xmlns="" xmlns:a16="http://schemas.microsoft.com/office/drawing/2014/main" id="{050F5CC3-31BD-3849-B5BE-E74B47D29C1F}"/>
               </a:ext>
             </a:extLst>
           </p:cNvPr>
@@ -19839,7 +19863,7 @@
           <p:cNvPr id="2" name="Title 1">
             <a:extLst>
               <a:ext uri="{FF2B5EF4-FFF2-40B4-BE49-F238E27FC236}">
-                <a16:creationId xmlns:a16="http://schemas.microsoft.com/office/drawing/2014/main" xmlns="" id="{DC9A665A-7DE1-C946-8B7A-D514E84A3F93}"/>
+                <a16:creationId xmlns="" xmlns:a16="http://schemas.microsoft.com/office/drawing/2014/main" id="{DC9A665A-7DE1-C946-8B7A-D514E84A3F93}"/>
               </a:ext>
             </a:extLst>
           </p:cNvPr>

--- a/New.pptx
+++ b/New.pptx
@@ -16861,7 +16861,7 @@
           <p:cNvPr id="2" name="Title 1">
             <a:extLst>
               <a:ext uri="{FF2B5EF4-FFF2-40B4-BE49-F238E27FC236}">
-                <a16:creationId xmlns="" xmlns:a16="http://schemas.microsoft.com/office/drawing/2014/main" id="{4CA6A82E-7EBA-C54D-A909-3741FCB9D13B}"/>
+                <a16:creationId xmlns:a16="http://schemas.microsoft.com/office/drawing/2014/main" xmlns="" id="{4CA6A82E-7EBA-C54D-A909-3741FCB9D13B}"/>
               </a:ext>
             </a:extLst>
           </p:cNvPr>
@@ -17277,7 +17277,7 @@
           <p:cNvPr id="2" name="Title 1">
             <a:extLst>
               <a:ext uri="{FF2B5EF4-FFF2-40B4-BE49-F238E27FC236}">
-                <a16:creationId xmlns="" xmlns:a16="http://schemas.microsoft.com/office/drawing/2014/main" id="{28A487DA-A073-1041-AD08-E29E654DB3F4}"/>
+                <a16:creationId xmlns:a16="http://schemas.microsoft.com/office/drawing/2014/main" xmlns="" id="{28A487DA-A073-1041-AD08-E29E654DB3F4}"/>
               </a:ext>
             </a:extLst>
           </p:cNvPr>
@@ -17313,7 +17313,7 @@
           <p:cNvPr id="3" name="TextBox 2">
             <a:extLst>
               <a:ext uri="{FF2B5EF4-FFF2-40B4-BE49-F238E27FC236}">
-                <a16:creationId xmlns="" xmlns:a16="http://schemas.microsoft.com/office/drawing/2014/main" id="{A5B85B17-0B2E-6240-8F57-3CE178D675A2}"/>
+                <a16:creationId xmlns:a16="http://schemas.microsoft.com/office/drawing/2014/main" xmlns="" id="{A5B85B17-0B2E-6240-8F57-3CE178D675A2}"/>
               </a:ext>
             </a:extLst>
           </p:cNvPr>
@@ -17577,7 +17577,7 @@
           <p:cNvPr id="2" name="Title 1">
             <a:extLst>
               <a:ext uri="{FF2B5EF4-FFF2-40B4-BE49-F238E27FC236}">
-                <a16:creationId xmlns="" xmlns:a16="http://schemas.microsoft.com/office/drawing/2014/main" id="{F508AA79-C777-7C40-9276-EF651779DA5C}"/>
+                <a16:creationId xmlns:a16="http://schemas.microsoft.com/office/drawing/2014/main" xmlns="" id="{F508AA79-C777-7C40-9276-EF651779DA5C}"/>
               </a:ext>
             </a:extLst>
           </p:cNvPr>
@@ -17613,7 +17613,7 @@
           <p:cNvPr id="3" name="TextBox 2">
             <a:extLst>
               <a:ext uri="{FF2B5EF4-FFF2-40B4-BE49-F238E27FC236}">
-                <a16:creationId xmlns="" xmlns:a16="http://schemas.microsoft.com/office/drawing/2014/main" id="{5F56A61D-3520-A747-AE76-02D11322B6CA}"/>
+                <a16:creationId xmlns:a16="http://schemas.microsoft.com/office/drawing/2014/main" xmlns="" id="{5F56A61D-3520-A747-AE76-02D11322B6CA}"/>
               </a:ext>
             </a:extLst>
           </p:cNvPr>
@@ -19755,7 +19755,7 @@
           <p:cNvPr id="2" name="Title 1">
             <a:extLst>
               <a:ext uri="{FF2B5EF4-FFF2-40B4-BE49-F238E27FC236}">
-                <a16:creationId xmlns="" xmlns:a16="http://schemas.microsoft.com/office/drawing/2014/main" id="{050F5CC3-31BD-3849-B5BE-E74B47D29C1F}"/>
+                <a16:creationId xmlns:a16="http://schemas.microsoft.com/office/drawing/2014/main" xmlns="" id="{050F5CC3-31BD-3849-B5BE-E74B47D29C1F}"/>
               </a:ext>
             </a:extLst>
           </p:cNvPr>
@@ -19863,7 +19863,7 @@
           <p:cNvPr id="2" name="Title 1">
             <a:extLst>
               <a:ext uri="{FF2B5EF4-FFF2-40B4-BE49-F238E27FC236}">
-                <a16:creationId xmlns="" xmlns:a16="http://schemas.microsoft.com/office/drawing/2014/main" id="{DC9A665A-7DE1-C946-8B7A-D514E84A3F93}"/>
+                <a16:creationId xmlns:a16="http://schemas.microsoft.com/office/drawing/2014/main" xmlns="" id="{DC9A665A-7DE1-C946-8B7A-D514E84A3F93}"/>
               </a:ext>
             </a:extLst>
           </p:cNvPr>
